--- a/Git.pptx
+++ b/Git.pptx
@@ -14362,6 +14362,53 @@
           </a:p>
         </p:txBody>
       </p:sp>
+      <p:pic>
+        <p:nvPicPr>
+          <p:cNvPr id="1026" name="Picture 2">
+            <a:extLst>
+              <a:ext uri="{FF2B5EF4-FFF2-40B4-BE49-F238E27FC236}">
+                <a16:creationId xmlns:a16="http://schemas.microsoft.com/office/drawing/2014/main" id="{4AFC3F97-B090-E5F9-5CC2-3A799A9B0444}"/>
+              </a:ext>
+            </a:extLst>
+          </p:cNvPr>
+          <p:cNvPicPr>
+            <a:picLocks noChangeAspect="1" noChangeArrowheads="1"/>
+          </p:cNvPicPr>
+          <p:nvPr/>
+        </p:nvPicPr>
+        <p:blipFill>
+          <a:blip r:embed="rId3">
+            <a:extLst>
+              <a:ext uri="{28A0092B-C50C-407E-A947-70E740481C1C}">
+                <a14:useLocalDpi xmlns:a14="http://schemas.microsoft.com/office/drawing/2010/main" val="0"/>
+              </a:ext>
+            </a:extLst>
+          </a:blip>
+          <a:srcRect/>
+          <a:stretch>
+            <a:fillRect/>
+          </a:stretch>
+        </p:blipFill>
+        <p:spPr bwMode="auto">
+          <a:xfrm>
+            <a:off x="6251120" y="3032525"/>
+            <a:ext cx="3314700" cy="1381125"/>
+          </a:xfrm>
+          <a:prstGeom prst="rect">
+            <a:avLst/>
+          </a:prstGeom>
+          <a:noFill/>
+          <a:extLst>
+            <a:ext uri="{909E8E84-426E-40DD-AFC4-6F175D3DCCD1}">
+              <a14:hiddenFill xmlns:a14="http://schemas.microsoft.com/office/drawing/2010/main">
+                <a:solidFill>
+                  <a:srgbClr val="FFFFFF"/>
+                </a:solidFill>
+              </a14:hiddenFill>
+            </a:ext>
+          </a:extLst>
+        </p:spPr>
+      </p:pic>
     </p:spTree>
   </p:cSld>
   <p:clrMapOvr>

--- a/Git.pptx
+++ b/Git.pptx
@@ -14362,53 +14362,6 @@
           </a:p>
         </p:txBody>
       </p:sp>
-      <p:pic>
-        <p:nvPicPr>
-          <p:cNvPr id="1026" name="Picture 2">
-            <a:extLst>
-              <a:ext uri="{FF2B5EF4-FFF2-40B4-BE49-F238E27FC236}">
-                <a16:creationId xmlns:a16="http://schemas.microsoft.com/office/drawing/2014/main" id="{4AFC3F97-B090-E5F9-5CC2-3A799A9B0444}"/>
-              </a:ext>
-            </a:extLst>
-          </p:cNvPr>
-          <p:cNvPicPr>
-            <a:picLocks noChangeAspect="1" noChangeArrowheads="1"/>
-          </p:cNvPicPr>
-          <p:nvPr/>
-        </p:nvPicPr>
-        <p:blipFill>
-          <a:blip r:embed="rId3">
-            <a:extLst>
-              <a:ext uri="{28A0092B-C50C-407E-A947-70E740481C1C}">
-                <a14:useLocalDpi xmlns:a14="http://schemas.microsoft.com/office/drawing/2010/main" val="0"/>
-              </a:ext>
-            </a:extLst>
-          </a:blip>
-          <a:srcRect/>
-          <a:stretch>
-            <a:fillRect/>
-          </a:stretch>
-        </p:blipFill>
-        <p:spPr bwMode="auto">
-          <a:xfrm>
-            <a:off x="6251120" y="3032525"/>
-            <a:ext cx="3314700" cy="1381125"/>
-          </a:xfrm>
-          <a:prstGeom prst="rect">
-            <a:avLst/>
-          </a:prstGeom>
-          <a:noFill/>
-          <a:extLst>
-            <a:ext uri="{909E8E84-426E-40DD-AFC4-6F175D3DCCD1}">
-              <a14:hiddenFill xmlns:a14="http://schemas.microsoft.com/office/drawing/2010/main">
-                <a:solidFill>
-                  <a:srgbClr val="FFFFFF"/>
-                </a:solidFill>
-              </a14:hiddenFill>
-            </a:ext>
-          </a:extLst>
-        </p:spPr>
-      </p:pic>
     </p:spTree>
   </p:cSld>
   <p:clrMapOvr>
